--- a/Room Allocation Aid.pptx
+++ b/Room Allocation Aid.pptx
@@ -7,8 +7,9 @@
   <p:sldIdLst>
     <p:sldId id="256" r:id="rId2"/>
     <p:sldId id="257" r:id="rId3"/>
-    <p:sldId id="258" r:id="rId4"/>
-    <p:sldId id="259" r:id="rId5"/>
+    <p:sldId id="259" r:id="rId4"/>
+    <p:sldId id="258" r:id="rId5"/>
+    <p:sldId id="260" r:id="rId6"/>
   </p:sldIdLst>
   <p:sldSz cx="9144000" cy="6858000" type="screen4x3"/>
   <p:notesSz cx="6858000" cy="9144000"/>
@@ -107,6 +108,22 @@
       </a:defRPr>
     </a:lvl9pPr>
   </p:defaultTextStyle>
+  <p:extLst>
+    <p:ext uri="{EFAFB233-063F-42B5-8137-9DF3F51BA10A}">
+      <p15:sldGuideLst xmlns:p15="http://schemas.microsoft.com/office/powerpoint/2012/main">
+        <p15:guide id="1" orient="horz" pos="2160">
+          <p15:clr>
+            <a:srgbClr val="A4A3A4"/>
+          </p15:clr>
+        </p15:guide>
+        <p15:guide id="2" pos="2880">
+          <p15:clr>
+            <a:srgbClr val="A4A3A4"/>
+          </p15:clr>
+        </p15:guide>
+      </p15:sldGuideLst>
+    </p:ext>
+  </p:extLst>
 </p:presentation>
 </file>
 
@@ -3807,76 +3824,56 @@
         </p:nvSpPr>
         <p:spPr/>
         <p:txBody>
+          <a:bodyPr/>
+          <a:lstStyle/>
+          <a:p>
+            <a:r>
+              <a:rPr lang="en-IN" dirty="0" smtClean="0"/>
+              <a:t>Solution</a:t>
+            </a:r>
+            <a:endParaRPr lang="en-IN" dirty="0"/>
+          </a:p>
+        </p:txBody>
+      </p:sp>
+      <p:sp>
+        <p:nvSpPr>
+          <p:cNvPr id="3" name="Content Placeholder 2"/>
+          <p:cNvSpPr>
+            <a:spLocks noGrp="1"/>
+          </p:cNvSpPr>
+          <p:nvPr>
+            <p:ph idx="1"/>
+          </p:nvPr>
+        </p:nvSpPr>
+        <p:spPr/>
+        <p:txBody>
           <a:bodyPr>
-            <a:normAutofit fontScale="90000"/>
+            <a:normAutofit lnSpcReduction="10000"/>
           </a:bodyPr>
           <a:lstStyle/>
           <a:p>
             <a:r>
               <a:rPr lang="en-IN" dirty="0" smtClean="0"/>
-              <a:t>How it Works?</a:t>
-            </a:r>
-            <a:br>
+              <a:t>The basic idea is to build a web portal for the students where they can fill up their details and take a quiz showcasing their lifestyle and their preferences for future roommate.</a:t>
+            </a:r>
+          </a:p>
+          <a:p>
+            <a:r>
               <a:rPr lang="en-IN" dirty="0" smtClean="0"/>
-            </a:br>
-            <a:endParaRPr lang="en-IN" dirty="0"/>
-          </a:p>
-        </p:txBody>
-      </p:sp>
-      <p:sp>
-        <p:nvSpPr>
-          <p:cNvPr id="3" name="Content Placeholder 2"/>
-          <p:cNvSpPr>
-            <a:spLocks noGrp="1"/>
-          </p:cNvSpPr>
-          <p:nvPr>
-            <p:ph idx="1"/>
-          </p:nvPr>
-        </p:nvSpPr>
-        <p:spPr/>
-        <p:txBody>
-          <a:bodyPr/>
-          <a:lstStyle/>
+              <a:t>Based on the quiz our system will provide analysis report and will suggest you your compatible roommate.</a:t>
+            </a:r>
+          </a:p>
           <a:p>
             <a:r>
               <a:rPr lang="en-IN" dirty="0" smtClean="0"/>
-              <a:t>Login</a:t>
+              <a:t>You can then view their details and their compatibility score.</a:t>
             </a:r>
           </a:p>
           <a:p>
             <a:r>
               <a:rPr lang="en-IN" dirty="0" smtClean="0"/>
-              <a:t>Find your roommate</a:t>
-            </a:r>
-          </a:p>
-          <a:p>
-            <a:r>
-              <a:rPr lang="en-IN" dirty="0" smtClean="0"/>
-              <a:t>Fill up the Details</a:t>
-            </a:r>
-          </a:p>
-          <a:p>
-            <a:r>
-              <a:rPr lang="en-IN" dirty="0" smtClean="0"/>
-              <a:t>Take up the quiz and find the matches based on analysis report</a:t>
-            </a:r>
-          </a:p>
-          <a:p>
-            <a:r>
-              <a:rPr lang="en-IN" dirty="0" smtClean="0"/>
-              <a:t>Pick up the Roommate and go to the counselling</a:t>
-            </a:r>
-          </a:p>
-          <a:p>
-            <a:pPr marL="0" indent="0">
-              <a:buNone/>
-            </a:pPr>
-            <a:endParaRPr lang="en-IN" dirty="0" smtClean="0"/>
-          </a:p>
-          <a:p>
-            <a:endParaRPr lang="en-IN" dirty="0" smtClean="0"/>
-          </a:p>
-          <a:p>
+              <a:t>Based on the details you can contact them and select them personally.</a:t>
+            </a:r>
             <a:endParaRPr lang="en-IN" dirty="0"/>
           </a:p>
         </p:txBody>
@@ -3884,7 +3881,7 @@
     </p:spTree>
     <p:extLst>
       <p:ext uri="{BB962C8B-B14F-4D97-AF65-F5344CB8AC3E}">
-        <p14:creationId xmlns:p14="http://schemas.microsoft.com/office/powerpoint/2010/main" val="4088982912"/>
+        <p14:creationId xmlns:p14="http://schemas.microsoft.com/office/powerpoint/2010/main" val="226373408"/>
       </p:ext>
     </p:extLst>
   </p:cSld>
@@ -3923,56 +3920,76 @@
         </p:nvSpPr>
         <p:spPr/>
         <p:txBody>
-          <a:bodyPr/>
-          <a:lstStyle/>
-          <a:p>
-            <a:r>
-              <a:rPr lang="en-IN" dirty="0" smtClean="0"/>
-              <a:t>Solution</a:t>
-            </a:r>
-            <a:endParaRPr lang="en-IN" dirty="0"/>
-          </a:p>
-        </p:txBody>
-      </p:sp>
-      <p:sp>
-        <p:nvSpPr>
-          <p:cNvPr id="3" name="Content Placeholder 2"/>
-          <p:cNvSpPr>
-            <a:spLocks noGrp="1"/>
-          </p:cNvSpPr>
-          <p:nvPr>
-            <p:ph idx="1"/>
-          </p:nvPr>
-        </p:nvSpPr>
-        <p:spPr/>
-        <p:txBody>
           <a:bodyPr>
-            <a:normAutofit lnSpcReduction="10000"/>
+            <a:normAutofit fontScale="90000"/>
           </a:bodyPr>
           <a:lstStyle/>
           <a:p>
             <a:r>
               <a:rPr lang="en-IN" dirty="0" smtClean="0"/>
-              <a:t>The basic idea is to build a web portal for the students where they can fill up their details and take a quiz showcasing their lifestyle and their preferences for future roommate.</a:t>
-            </a:r>
-          </a:p>
-          <a:p>
-            <a:r>
+              <a:t>How it Works?</a:t>
+            </a:r>
+            <a:br>
               <a:rPr lang="en-IN" dirty="0" smtClean="0"/>
-              <a:t>Based on the quiz our system will provide analysis report and will suggest you your compatible roommate.</a:t>
-            </a:r>
-          </a:p>
+            </a:br>
+            <a:endParaRPr lang="en-IN" dirty="0"/>
+          </a:p>
+        </p:txBody>
+      </p:sp>
+      <p:sp>
+        <p:nvSpPr>
+          <p:cNvPr id="3" name="Content Placeholder 2"/>
+          <p:cNvSpPr>
+            <a:spLocks noGrp="1"/>
+          </p:cNvSpPr>
+          <p:nvPr>
+            <p:ph idx="1"/>
+          </p:nvPr>
+        </p:nvSpPr>
+        <p:spPr/>
+        <p:txBody>
+          <a:bodyPr/>
+          <a:lstStyle/>
           <a:p>
             <a:r>
               <a:rPr lang="en-IN" dirty="0" smtClean="0"/>
-              <a:t>You can then view their details and their compatibility score.</a:t>
+              <a:t>Login</a:t>
             </a:r>
           </a:p>
           <a:p>
             <a:r>
               <a:rPr lang="en-IN" dirty="0" smtClean="0"/>
-              <a:t>Based on the details you can contact them and select them personally.</a:t>
-            </a:r>
+              <a:t>Find your roommate</a:t>
+            </a:r>
+          </a:p>
+          <a:p>
+            <a:r>
+              <a:rPr lang="en-IN" dirty="0" smtClean="0"/>
+              <a:t>Fill up the Details</a:t>
+            </a:r>
+          </a:p>
+          <a:p>
+            <a:r>
+              <a:rPr lang="en-IN" dirty="0" smtClean="0"/>
+              <a:t>Take up the quiz and find the matches based on analysis report</a:t>
+            </a:r>
+          </a:p>
+          <a:p>
+            <a:r>
+              <a:rPr lang="en-IN" dirty="0" smtClean="0"/>
+              <a:t>Pick up the Roommate and go to the counselling</a:t>
+            </a:r>
+          </a:p>
+          <a:p>
+            <a:pPr marL="0" indent="0">
+              <a:buNone/>
+            </a:pPr>
+            <a:endParaRPr lang="en-IN" dirty="0" smtClean="0"/>
+          </a:p>
+          <a:p>
+            <a:endParaRPr lang="en-IN" dirty="0" smtClean="0"/>
+          </a:p>
+          <a:p>
             <a:endParaRPr lang="en-IN" dirty="0"/>
           </a:p>
         </p:txBody>
@@ -3980,7 +3997,118 @@
     </p:spTree>
     <p:extLst>
       <p:ext uri="{BB962C8B-B14F-4D97-AF65-F5344CB8AC3E}">
-        <p14:creationId xmlns:p14="http://schemas.microsoft.com/office/powerpoint/2010/main" val="226373408"/>
+        <p14:creationId xmlns:p14="http://schemas.microsoft.com/office/powerpoint/2010/main" val="4088982912"/>
+      </p:ext>
+    </p:extLst>
+  </p:cSld>
+  <p:clrMapOvr>
+    <a:masterClrMapping/>
+  </p:clrMapOvr>
+</p:sld>
+</file>
+
+<file path=ppt/slides/slide5.xml><?xml version="1.0" encoding="utf-8"?>
+<p:sld xmlns:a="http://schemas.openxmlformats.org/drawingml/2006/main" xmlns:r="http://schemas.openxmlformats.org/officeDocument/2006/relationships" xmlns:p="http://schemas.openxmlformats.org/presentationml/2006/main">
+  <p:cSld>
+    <p:spTree>
+      <p:nvGrpSpPr>
+        <p:cNvPr id="1" name=""/>
+        <p:cNvGrpSpPr/>
+        <p:nvPr/>
+      </p:nvGrpSpPr>
+      <p:grpSpPr>
+        <a:xfrm>
+          <a:off x="0" y="0"/>
+          <a:ext cx="0" cy="0"/>
+          <a:chOff x="0" y="0"/>
+          <a:chExt cx="0" cy="0"/>
+        </a:xfrm>
+      </p:grpSpPr>
+      <p:sp>
+        <p:nvSpPr>
+          <p:cNvPr id="2" name="Title 1"/>
+          <p:cNvSpPr>
+            <a:spLocks noGrp="1"/>
+          </p:cNvSpPr>
+          <p:nvPr>
+            <p:ph type="title"/>
+          </p:nvPr>
+        </p:nvSpPr>
+        <p:spPr/>
+        <p:txBody>
+          <a:bodyPr/>
+          <a:lstStyle/>
+          <a:p>
+            <a:r>
+              <a:rPr lang="en-GB" dirty="0" smtClean="0"/>
+              <a:t>Requirements</a:t>
+            </a:r>
+            <a:endParaRPr lang="en-GB" dirty="0"/>
+          </a:p>
+        </p:txBody>
+      </p:sp>
+      <p:sp>
+        <p:nvSpPr>
+          <p:cNvPr id="3" name="Content Placeholder 2"/>
+          <p:cNvSpPr>
+            <a:spLocks noGrp="1"/>
+          </p:cNvSpPr>
+          <p:nvPr>
+            <p:ph idx="1"/>
+          </p:nvPr>
+        </p:nvSpPr>
+        <p:spPr/>
+        <p:txBody>
+          <a:bodyPr/>
+          <a:lstStyle/>
+          <a:p>
+            <a:r>
+              <a:rPr lang="en-GB" dirty="0" smtClean="0"/>
+              <a:t>Notepad</a:t>
+            </a:r>
+          </a:p>
+          <a:p>
+            <a:r>
+              <a:rPr lang="en-GB" dirty="0" err="1" smtClean="0"/>
+              <a:t>Github</a:t>
+            </a:r>
+            <a:endParaRPr lang="en-GB" dirty="0" smtClean="0"/>
+          </a:p>
+          <a:p>
+            <a:r>
+              <a:rPr lang="en-GB" dirty="0" smtClean="0"/>
+              <a:t>XAMPP</a:t>
+            </a:r>
+          </a:p>
+          <a:p>
+            <a:pPr lvl="0"/>
+            <a:r>
+              <a:rPr lang="en-US" dirty="0"/>
+              <a:t>Microsoft Windows 10 Enterprise </a:t>
+            </a:r>
+            <a:endParaRPr lang="en-GB" dirty="0"/>
+          </a:p>
+          <a:p>
+            <a:pPr lvl="0"/>
+            <a:r>
+              <a:rPr lang="en-US" dirty="0" err="1"/>
+              <a:t>Sql</a:t>
+            </a:r>
+            <a:r>
+              <a:rPr lang="en-US" dirty="0"/>
+              <a:t> </a:t>
+            </a:r>
+            <a:endParaRPr lang="en-GB" dirty="0"/>
+          </a:p>
+          <a:p>
+            <a:endParaRPr lang="en-GB" dirty="0"/>
+          </a:p>
+        </p:txBody>
+      </p:sp>
+    </p:spTree>
+    <p:extLst>
+      <p:ext uri="{BB962C8B-B14F-4D97-AF65-F5344CB8AC3E}">
+        <p14:creationId xmlns:p14="http://schemas.microsoft.com/office/powerpoint/2010/main" val="503477748"/>
       </p:ext>
     </p:extLst>
   </p:cSld>

--- a/Room Allocation Aid.pptx
+++ b/Room Allocation Aid.pptx
@@ -4095,9 +4095,15 @@
               <a:t>Sql</a:t>
             </a:r>
             <a:r>
-              <a:rPr lang="en-US" dirty="0"/>
+              <a:rPr lang="en-US"/>
               <a:t> </a:t>
             </a:r>
+            <a:endParaRPr lang="en-US" smtClean="0"/>
+          </a:p>
+          <a:p>
+            <a:pPr marL="0" lvl="0" indent="0">
+              <a:buNone/>
+            </a:pPr>
             <a:endParaRPr lang="en-GB" dirty="0"/>
           </a:p>
           <a:p>

--- a/Room Allocation Aid.pptx
+++ b/Room Allocation Aid.pptx
@@ -3631,20 +3631,27 @@
             <p:ph type="subTitle" idx="1"/>
           </p:nvPr>
         </p:nvSpPr>
-        <p:spPr/>
-        <p:txBody>
-          <a:bodyPr/>
+        <p:spPr>
+          <a:xfrm>
+            <a:off x="3563888" y="4437112"/>
+            <a:ext cx="1592964" cy="131992"/>
+          </a:xfrm>
+        </p:spPr>
+        <p:txBody>
+          <a:bodyPr>
+            <a:normAutofit fontScale="47500" lnSpcReduction="20000"/>
+          </a:bodyPr>
           <a:lstStyle/>
           <a:p>
-            <a:endParaRPr lang="en-IN"/>
+            <a:endParaRPr lang="en-IN" dirty="0"/>
           </a:p>
         </p:txBody>
       </p:sp>
       <p:pic>
         <p:nvPicPr>
-          <p:cNvPr id="1026" name="Picture 2"/>
+          <p:cNvPr id="4" name="Picture 3"/>
           <p:cNvPicPr>
-            <a:picLocks noChangeAspect="1" noChangeArrowheads="1"/>
+            <a:picLocks noChangeAspect="1"/>
           </p:cNvPicPr>
           <p:nvPr/>
         </p:nvPicPr>
@@ -3656,52 +3663,18 @@
               </a:ext>
             </a:extLst>
           </a:blip>
-          <a:srcRect/>
           <a:stretch>
             <a:fillRect/>
           </a:stretch>
         </p:blipFill>
-        <p:spPr bwMode="auto">
+        <p:spPr>
           <a:xfrm>
-            <a:off x="467544" y="1988840"/>
-            <a:ext cx="8208912" cy="4700240"/>
+            <a:off x="539552" y="1988840"/>
+            <a:ext cx="8172400" cy="4596975"/>
           </a:xfrm>
           <a:prstGeom prst="rect">
             <a:avLst/>
           </a:prstGeom>
-          <a:noFill/>
-          <a:ln>
-            <a:noFill/>
-          </a:ln>
-          <a:effectLst/>
-          <a:extLst>
-            <a:ext uri="{909E8E84-426E-40DD-AFC4-6F175D3DCCD1}">
-              <a14:hiddenFill xmlns:a14="http://schemas.microsoft.com/office/drawing/2010/main">
-                <a:solidFill>
-                  <a:schemeClr val="accent1"/>
-                </a:solidFill>
-              </a14:hiddenFill>
-            </a:ext>
-            <a:ext uri="{91240B29-F687-4F45-9708-019B960494DF}">
-              <a14:hiddenLine xmlns:a14="http://schemas.microsoft.com/office/drawing/2010/main" w="9525">
-                <a:solidFill>
-                  <a:schemeClr val="tx1"/>
-                </a:solidFill>
-                <a:miter lim="800000"/>
-                <a:headEnd/>
-                <a:tailEnd/>
-              </a14:hiddenLine>
-            </a:ext>
-            <a:ext uri="{AF507438-7753-43E0-B8FC-AC1667EBCBE1}">
-              <a14:hiddenEffects xmlns:a14="http://schemas.microsoft.com/office/drawing/2010/main">
-                <a:effectLst>
-                  <a:outerShdw dist="35921" dir="2700000" algn="ctr" rotWithShape="0">
-                    <a:schemeClr val="bg2"/>
-                  </a:outerShdw>
-                </a:effectLst>
-              </a14:hiddenEffects>
-            </a:ext>
-          </a:extLst>
         </p:spPr>
       </p:pic>
     </p:spTree>
@@ -3977,8 +3950,35 @@
           <a:p>
             <a:r>
               <a:rPr lang="en-IN" dirty="0" smtClean="0"/>
-              <a:t>Pick up the Roommate and go to the counselling</a:t>
-            </a:r>
+              <a:t>Pick up the </a:t>
+            </a:r>
+            <a:r>
+              <a:rPr lang="en-IN" dirty="0" smtClean="0"/>
+              <a:t>Roommate</a:t>
+            </a:r>
+          </a:p>
+          <a:p>
+            <a:r>
+              <a:rPr lang="en-IN" dirty="0" smtClean="0"/>
+              <a:t>Once you find a roommate and if you are in need of more roommates then the person with </a:t>
+            </a:r>
+            <a:r>
+              <a:rPr lang="en-IN" dirty="0" smtClean="0"/>
+              <a:t>highest CGPA</a:t>
+            </a:r>
+            <a:r>
+              <a:rPr lang="en-IN" dirty="0" smtClean="0"/>
+              <a:t> amongst the already selected ones will be eligible to select other </a:t>
+            </a:r>
+            <a:r>
+              <a:rPr lang="en-IN" dirty="0" err="1" smtClean="0"/>
+              <a:t>roomates</a:t>
+            </a:r>
+            <a:r>
+              <a:rPr lang="en-IN" dirty="0" smtClean="0"/>
+              <a:t>.</a:t>
+            </a:r>
+            <a:endParaRPr lang="en-IN" dirty="0" smtClean="0"/>
           </a:p>
           <a:p>
             <a:pPr marL="0" indent="0">
@@ -4095,10 +4095,10 @@
               <a:t>Sql</a:t>
             </a:r>
             <a:r>
-              <a:rPr lang="en-US"/>
+              <a:rPr lang="en-US" dirty="0"/>
               <a:t> </a:t>
             </a:r>
-            <a:endParaRPr lang="en-US" smtClean="0"/>
+            <a:endParaRPr lang="en-US" dirty="0" smtClean="0"/>
           </a:p>
           <a:p>
             <a:pPr marL="0" lvl="0" indent="0">

--- a/Room Allocation Aid.pptx
+++ b/Room Allocation Aid.pptx
@@ -9,7 +9,7 @@
     <p:sldId id="257" r:id="rId3"/>
     <p:sldId id="259" r:id="rId4"/>
     <p:sldId id="258" r:id="rId5"/>
-    <p:sldId id="260" r:id="rId6"/>
+    <p:sldId id="261" r:id="rId6"/>
   </p:sldIdLst>
   <p:sldSz cx="9144000" cy="6858000" type="screen4x3"/>
   <p:notesSz cx="6858000" cy="9144000"/>
@@ -3950,11 +3950,11 @@
           <a:p>
             <a:r>
               <a:rPr lang="en-IN" dirty="0" smtClean="0"/>
-              <a:t>Pick up the </a:t>
+              <a:t>Pick </a:t>
             </a:r>
             <a:r>
               <a:rPr lang="en-IN" dirty="0" smtClean="0"/>
-              <a:t>Roommate</a:t>
+              <a:t>up your Roommate</a:t>
             </a:r>
           </a:p>
           <a:p>
@@ -4034,87 +4034,262 @@
             <p:ph type="title"/>
           </p:nvPr>
         </p:nvSpPr>
-        <p:spPr/>
-        <p:txBody>
-          <a:bodyPr/>
+        <p:spPr>
+          <a:xfrm>
+            <a:off x="1403648" y="4869160"/>
+            <a:ext cx="7242048" cy="1143000"/>
+          </a:xfrm>
+        </p:spPr>
+        <p:txBody>
+          <a:bodyPr>
+            <a:normAutofit fontScale="90000"/>
+          </a:bodyPr>
           <a:lstStyle/>
           <a:p>
             <a:r>
               <a:rPr lang="en-GB" dirty="0" smtClean="0"/>
-              <a:t>Requirements</a:t>
-            </a:r>
-            <a:endParaRPr lang="en-GB" dirty="0"/>
-          </a:p>
-        </p:txBody>
-      </p:sp>
-      <p:sp>
-        <p:nvSpPr>
-          <p:cNvPr id="3" name="Content Placeholder 2"/>
-          <p:cNvSpPr>
-            <a:spLocks noGrp="1"/>
-          </p:cNvSpPr>
-          <p:nvPr>
-            <p:ph idx="1"/>
-          </p:nvPr>
-        </p:nvSpPr>
-        <p:spPr/>
-        <p:txBody>
-          <a:bodyPr/>
-          <a:lstStyle/>
-          <a:p>
-            <a:r>
+              <a:t/>
+            </a:r>
+            <a:br>
               <a:rPr lang="en-GB" dirty="0" smtClean="0"/>
-              <a:t>Notepad</a:t>
-            </a:r>
-          </a:p>
-          <a:p>
-            <a:r>
-              <a:rPr lang="en-GB" dirty="0" err="1" smtClean="0"/>
-              <a:t>Github</a:t>
-            </a:r>
-            <a:endParaRPr lang="en-GB" dirty="0" smtClean="0"/>
-          </a:p>
-          <a:p>
+            </a:br>
+            <a:r>
+              <a:rPr lang="en-GB" sz="6700" dirty="0" smtClean="0">
+                <a:solidFill>
+                  <a:schemeClr val="tx2">
+                    <a:lumMod val="75000"/>
+                  </a:schemeClr>
+                </a:solidFill>
+              </a:rPr>
+              <a:t>THANK YOU</a:t>
+            </a:r>
             <a:r>
               <a:rPr lang="en-GB" dirty="0" smtClean="0"/>
-              <a:t>XAMPP</a:t>
-            </a:r>
-          </a:p>
-          <a:p>
-            <a:pPr lvl="0"/>
-            <a:r>
-              <a:rPr lang="en-US" dirty="0"/>
-              <a:t>Microsoft Windows 10 Enterprise </a:t>
-            </a:r>
-            <a:endParaRPr lang="en-GB" dirty="0"/>
-          </a:p>
-          <a:p>
-            <a:pPr lvl="0"/>
-            <a:r>
-              <a:rPr lang="en-US" dirty="0" err="1"/>
-              <a:t>Sql</a:t>
-            </a:r>
-            <a:r>
-              <a:rPr lang="en-US" dirty="0"/>
-              <a:t> </a:t>
-            </a:r>
-            <a:endParaRPr lang="en-US" dirty="0" smtClean="0"/>
-          </a:p>
-          <a:p>
-            <a:pPr marL="0" lvl="0" indent="0">
-              <a:buNone/>
-            </a:pPr>
-            <a:endParaRPr lang="en-GB" dirty="0"/>
-          </a:p>
-          <a:p>
-            <a:endParaRPr lang="en-GB" dirty="0"/>
+              <a:t/>
+            </a:r>
+            <a:br>
+              <a:rPr lang="en-GB" dirty="0" smtClean="0"/>
+            </a:br>
+            <a:r>
+              <a:rPr lang="en-GB" sz="5300" dirty="0" smtClean="0">
+                <a:solidFill>
+                  <a:schemeClr val="bg2">
+                    <a:lumMod val="50000"/>
+                  </a:schemeClr>
+                </a:solidFill>
+                <a:effectLst>
+                  <a:outerShdw blurRad="38100" dist="38100" dir="2700000" algn="tl">
+                    <a:srgbClr val="000000">
+                      <a:alpha val="43137"/>
+                    </a:srgbClr>
+                  </a:outerShdw>
+                </a:effectLst>
+                <a:latin typeface="Algerian" panose="04020705040A02060702" pitchFamily="82" charset="0"/>
+              </a:rPr>
+              <a:t/>
+            </a:r>
+            <a:br>
+              <a:rPr lang="en-GB" sz="5300" dirty="0" smtClean="0">
+                <a:solidFill>
+                  <a:schemeClr val="bg2">
+                    <a:lumMod val="50000"/>
+                  </a:schemeClr>
+                </a:solidFill>
+                <a:effectLst>
+                  <a:outerShdw blurRad="38100" dist="38100" dir="2700000" algn="tl">
+                    <a:srgbClr val="000000">
+                      <a:alpha val="43137"/>
+                    </a:srgbClr>
+                  </a:outerShdw>
+                </a:effectLst>
+                <a:latin typeface="Algerian" panose="04020705040A02060702" pitchFamily="82" charset="0"/>
+              </a:rPr>
+            </a:br>
+            <a:r>
+              <a:rPr lang="en-GB" sz="6000" dirty="0" smtClean="0">
+                <a:solidFill>
+                  <a:schemeClr val="bg2">
+                    <a:lumMod val="50000"/>
+                  </a:schemeClr>
+                </a:solidFill>
+                <a:effectLst>
+                  <a:outerShdw blurRad="38100" dist="38100" dir="2700000" algn="tl">
+                    <a:srgbClr val="000000">
+                      <a:alpha val="43137"/>
+                    </a:srgbClr>
+                  </a:outerShdw>
+                </a:effectLst>
+                <a:latin typeface="Arial" panose="020B0604020202020204" pitchFamily="34" charset="0"/>
+                <a:cs typeface="Arial" panose="020B0604020202020204" pitchFamily="34" charset="0"/>
+              </a:rPr>
+              <a:t>TEAM-7 </a:t>
+            </a:r>
+            <a:r>
+              <a:rPr lang="en-GB" sz="5300" dirty="0" smtClean="0">
+                <a:solidFill>
+                  <a:schemeClr val="bg2">
+                    <a:lumMod val="50000"/>
+                  </a:schemeClr>
+                </a:solidFill>
+                <a:effectLst>
+                  <a:outerShdw blurRad="38100" dist="38100" dir="2700000" algn="tl">
+                    <a:srgbClr val="000000">
+                      <a:alpha val="43137"/>
+                    </a:srgbClr>
+                  </a:outerShdw>
+                </a:effectLst>
+                <a:latin typeface="Arial" panose="020B0604020202020204" pitchFamily="34" charset="0"/>
+                <a:cs typeface="Arial" panose="020B0604020202020204" pitchFamily="34" charset="0"/>
+              </a:rPr>
+              <a:t/>
+            </a:r>
+            <a:br>
+              <a:rPr lang="en-GB" sz="5300" dirty="0" smtClean="0">
+                <a:solidFill>
+                  <a:schemeClr val="bg2">
+                    <a:lumMod val="50000"/>
+                  </a:schemeClr>
+                </a:solidFill>
+                <a:effectLst>
+                  <a:outerShdw blurRad="38100" dist="38100" dir="2700000" algn="tl">
+                    <a:srgbClr val="000000">
+                      <a:alpha val="43137"/>
+                    </a:srgbClr>
+                  </a:outerShdw>
+                </a:effectLst>
+                <a:latin typeface="Arial" panose="020B0604020202020204" pitchFamily="34" charset="0"/>
+                <a:cs typeface="Arial" panose="020B0604020202020204" pitchFamily="34" charset="0"/>
+              </a:rPr>
+            </a:br>
+            <a:r>
+              <a:rPr lang="en-GB" sz="5300" dirty="0" smtClean="0">
+                <a:solidFill>
+                  <a:schemeClr val="bg2">
+                    <a:lumMod val="50000"/>
+                  </a:schemeClr>
+                </a:solidFill>
+                <a:effectLst>
+                  <a:outerShdw blurRad="38100" dist="38100" dir="2700000" algn="tl">
+                    <a:srgbClr val="000000">
+                      <a:alpha val="43137"/>
+                    </a:srgbClr>
+                  </a:outerShdw>
+                </a:effectLst>
+                <a:latin typeface="Arial" panose="020B0604020202020204" pitchFamily="34" charset="0"/>
+                <a:cs typeface="Arial" panose="020B0604020202020204" pitchFamily="34" charset="0"/>
+              </a:rPr>
+              <a:t>BYTE KARMA</a:t>
+            </a:r>
+            <a:r>
+              <a:rPr lang="en-GB" sz="5300" dirty="0" smtClean="0">
+                <a:solidFill>
+                  <a:schemeClr val="tx1">
+                    <a:lumMod val="65000"/>
+                    <a:lumOff val="35000"/>
+                  </a:schemeClr>
+                </a:solidFill>
+                <a:latin typeface="Arial" panose="020B0604020202020204" pitchFamily="34" charset="0"/>
+                <a:cs typeface="Arial" panose="020B0604020202020204" pitchFamily="34" charset="0"/>
+              </a:rPr>
+              <a:t/>
+            </a:r>
+            <a:br>
+              <a:rPr lang="en-GB" sz="5300" dirty="0" smtClean="0">
+                <a:solidFill>
+                  <a:schemeClr val="tx1">
+                    <a:lumMod val="65000"/>
+                    <a:lumOff val="35000"/>
+                  </a:schemeClr>
+                </a:solidFill>
+                <a:latin typeface="Arial" panose="020B0604020202020204" pitchFamily="34" charset="0"/>
+                <a:cs typeface="Arial" panose="020B0604020202020204" pitchFamily="34" charset="0"/>
+              </a:rPr>
+            </a:br>
+            <a:r>
+              <a:rPr lang="en-GB" sz="5300" dirty="0" smtClean="0">
+                <a:solidFill>
+                  <a:schemeClr val="tx1">
+                    <a:lumMod val="65000"/>
+                    <a:lumOff val="35000"/>
+                  </a:schemeClr>
+                </a:solidFill>
+                <a:latin typeface="Arial" panose="020B0604020202020204" pitchFamily="34" charset="0"/>
+                <a:cs typeface="Arial" panose="020B0604020202020204" pitchFamily="34" charset="0"/>
+              </a:rPr>
+              <a:t/>
+            </a:r>
+            <a:br>
+              <a:rPr lang="en-GB" sz="5300" dirty="0" smtClean="0">
+                <a:solidFill>
+                  <a:schemeClr val="tx1">
+                    <a:lumMod val="65000"/>
+                    <a:lumOff val="35000"/>
+                  </a:schemeClr>
+                </a:solidFill>
+                <a:latin typeface="Arial" panose="020B0604020202020204" pitchFamily="34" charset="0"/>
+                <a:cs typeface="Arial" panose="020B0604020202020204" pitchFamily="34" charset="0"/>
+              </a:rPr>
+            </a:br>
+            <a:r>
+              <a:rPr lang="en-GB" dirty="0" smtClean="0"/>
+              <a:t/>
+            </a:r>
+            <a:br>
+              <a:rPr lang="en-GB" dirty="0" smtClean="0"/>
+            </a:br>
+            <a:r>
+              <a:rPr lang="en-GB" dirty="0" err="1" smtClean="0">
+                <a:solidFill>
+                  <a:schemeClr val="tx2">
+                    <a:lumMod val="75000"/>
+                  </a:schemeClr>
+                </a:solidFill>
+              </a:rPr>
+              <a:t>mRinalini</a:t>
+            </a:r>
+            <a:r>
+              <a:rPr lang="en-GB" dirty="0" smtClean="0">
+                <a:solidFill>
+                  <a:schemeClr val="tx2">
+                    <a:lumMod val="75000"/>
+                  </a:schemeClr>
+                </a:solidFill>
+              </a:rPr>
+              <a:t> Singh</a:t>
+            </a:r>
+            <a:br>
+              <a:rPr lang="en-GB" dirty="0" smtClean="0">
+                <a:solidFill>
+                  <a:schemeClr val="tx2">
+                    <a:lumMod val="75000"/>
+                  </a:schemeClr>
+                </a:solidFill>
+              </a:rPr>
+            </a:br>
+            <a:r>
+              <a:rPr lang="en-GB" dirty="0" smtClean="0">
+                <a:solidFill>
+                  <a:schemeClr val="tx2">
+                    <a:lumMod val="75000"/>
+                  </a:schemeClr>
+                </a:solidFill>
+              </a:rPr>
+              <a:t>Ishita Gupta</a:t>
+            </a:r>
+            <a:endParaRPr lang="en-GB" dirty="0">
+              <a:solidFill>
+                <a:schemeClr val="tx2">
+                  <a:lumMod val="75000"/>
+                </a:schemeClr>
+              </a:solidFill>
+            </a:endParaRPr>
           </a:p>
         </p:txBody>
       </p:sp>
     </p:spTree>
     <p:extLst>
       <p:ext uri="{BB962C8B-B14F-4D97-AF65-F5344CB8AC3E}">
-        <p14:creationId xmlns:p14="http://schemas.microsoft.com/office/powerpoint/2010/main" val="503477748"/>
+        <p14:creationId xmlns:p14="http://schemas.microsoft.com/office/powerpoint/2010/main" val="147524861"/>
       </p:ext>
     </p:extLst>
   </p:cSld>

--- a/Room Allocation Aid.pptx
+++ b/Room Allocation Aid.pptx
@@ -9,7 +9,8 @@
     <p:sldId id="257" r:id="rId3"/>
     <p:sldId id="259" r:id="rId4"/>
     <p:sldId id="258" r:id="rId5"/>
-    <p:sldId id="261" r:id="rId6"/>
+    <p:sldId id="262" r:id="rId6"/>
+    <p:sldId id="261" r:id="rId7"/>
   </p:sldIdLst>
   <p:sldSz cx="9144000" cy="6858000" type="screen4x3"/>
   <p:notesSz cx="6858000" cy="9144000"/>
@@ -4034,6 +4035,102 @@
             <p:ph type="title"/>
           </p:nvPr>
         </p:nvSpPr>
+        <p:spPr/>
+        <p:txBody>
+          <a:bodyPr/>
+          <a:lstStyle/>
+          <a:p>
+            <a:r>
+              <a:rPr lang="en-GB" dirty="0" smtClean="0"/>
+              <a:t>Requirements</a:t>
+            </a:r>
+            <a:endParaRPr lang="en-GB" dirty="0"/>
+          </a:p>
+        </p:txBody>
+      </p:sp>
+      <p:sp>
+        <p:nvSpPr>
+          <p:cNvPr id="3" name="Content Placeholder 2"/>
+          <p:cNvSpPr>
+            <a:spLocks noGrp="1"/>
+          </p:cNvSpPr>
+          <p:nvPr>
+            <p:ph idx="1"/>
+          </p:nvPr>
+        </p:nvSpPr>
+        <p:spPr/>
+        <p:txBody>
+          <a:bodyPr/>
+          <a:lstStyle/>
+          <a:p>
+            <a:r>
+              <a:rPr lang="en-GB" dirty="0" smtClean="0"/>
+              <a:t>XAMPP</a:t>
+            </a:r>
+          </a:p>
+          <a:p>
+            <a:r>
+              <a:rPr lang="en-GB" dirty="0" smtClean="0"/>
+              <a:t>NOTEPAD</a:t>
+            </a:r>
+          </a:p>
+          <a:p>
+            <a:r>
+              <a:rPr lang="en-GB" dirty="0" smtClean="0"/>
+              <a:t>GITHUB</a:t>
+            </a:r>
+          </a:p>
+          <a:p>
+            <a:r>
+              <a:rPr lang="en-GB" dirty="0" smtClean="0"/>
+              <a:t>SQL</a:t>
+            </a:r>
+          </a:p>
+          <a:p>
+            <a:endParaRPr lang="en-GB" dirty="0"/>
+          </a:p>
+        </p:txBody>
+      </p:sp>
+    </p:spTree>
+    <p:extLst>
+      <p:ext uri="{BB962C8B-B14F-4D97-AF65-F5344CB8AC3E}">
+        <p14:creationId xmlns:p14="http://schemas.microsoft.com/office/powerpoint/2010/main" val="1289250135"/>
+      </p:ext>
+    </p:extLst>
+  </p:cSld>
+  <p:clrMapOvr>
+    <a:masterClrMapping/>
+  </p:clrMapOvr>
+</p:sld>
+</file>
+
+<file path=ppt/slides/slide6.xml><?xml version="1.0" encoding="utf-8"?>
+<p:sld xmlns:a="http://schemas.openxmlformats.org/drawingml/2006/main" xmlns:r="http://schemas.openxmlformats.org/officeDocument/2006/relationships" xmlns:p="http://schemas.openxmlformats.org/presentationml/2006/main">
+  <p:cSld>
+    <p:spTree>
+      <p:nvGrpSpPr>
+        <p:cNvPr id="1" name=""/>
+        <p:cNvGrpSpPr/>
+        <p:nvPr/>
+      </p:nvGrpSpPr>
+      <p:grpSpPr>
+        <a:xfrm>
+          <a:off x="0" y="0"/>
+          <a:ext cx="0" cy="0"/>
+          <a:chOff x="0" y="0"/>
+          <a:chExt cx="0" cy="0"/>
+        </a:xfrm>
+      </p:grpSpPr>
+      <p:sp>
+        <p:nvSpPr>
+          <p:cNvPr id="2" name="Title 1"/>
+          <p:cNvSpPr>
+            <a:spLocks noGrp="1"/>
+          </p:cNvSpPr>
+          <p:nvPr>
+            <p:ph type="title"/>
+          </p:nvPr>
+        </p:nvSpPr>
         <p:spPr>
           <a:xfrm>
             <a:off x="1403648" y="4869160"/>
